--- a/ITNPBD6_Assignment_2710017_Final.pptx
+++ b/ITNPBD6_Assignment_2710017_Final.pptx
@@ -4281,7 +4281,15 @@
             </a:pPr>
             <a:r>
               <a:rPr lang="en-US" sz="1000" dirty="0"/>
-              <a:t>For each model and iteration of cross-fold validation:</a:t>
+              <a:t>For each model and iteration of cross-fold validation (</a:t>
+            </a:r>
+            <a:r>
+              <a:rPr lang="en-US" sz="1000" i="1" dirty="0" err="1"/>
+              <a:t>GridSearchCV</a:t>
+            </a:r>
+            <a:r>
+              <a:rPr lang="en-US" sz="1000" dirty="0"/>
+              <a:t>, CV=5):</a:t>
             </a:r>
           </a:p>
           <a:p>
@@ -6289,6 +6297,21 @@
 </file>
 
 <file path=customXml/item1.xml><?xml version="1.0" encoding="utf-8"?>
+<p:properties xmlns:p="http://schemas.microsoft.com/office/2006/metadata/properties" xmlns:xsi="http://www.w3.org/2001/XMLSchema-instance" xmlns:pc="http://schemas.microsoft.com/office/infopath/2007/PartnerControls">
+  <documentManagement/>
+</p:properties>
+</file>
+
+<file path=customXml/item2.xml><?xml version="1.0" encoding="utf-8"?>
+<?mso-contentType ?>
+<FormTemplates xmlns="http://schemas.microsoft.com/sharepoint/v3/contenttype/forms">
+  <Display>DocumentLibraryForm</Display>
+  <Edit>DocumentLibraryForm</Edit>
+  <New>DocumentLibraryForm</New>
+</FormTemplates>
+</file>
+
+<file path=customXml/item3.xml><?xml version="1.0" encoding="utf-8"?>
 <ct:contentTypeSchema xmlns:ct="http://schemas.microsoft.com/office/2006/metadata/contentType" xmlns:ma="http://schemas.microsoft.com/office/2006/metadata/properties/metaAttributes" ct:_="" ma:_="" ma:contentTypeName="Document" ma:contentTypeID="0x0101000F1DA950B468274CB53651377B661D5E" ma:contentTypeVersion="4" ma:contentTypeDescription="Create a new document." ma:contentTypeScope="" ma:versionID="27a16cd52dc681f2d631c60625793089">
   <xsd:schema xmlns:xsd="http://www.w3.org/2001/XMLSchema" xmlns:xs="http://www.w3.org/2001/XMLSchema" xmlns:p="http://schemas.microsoft.com/office/2006/metadata/properties" xmlns:ns2="4ce3de0b-3eea-4cb9-8254-1efe69defd32" targetNamespace="http://schemas.microsoft.com/office/2006/metadata/properties" ma:root="true" ma:fieldsID="aa5d8f5ea0382bb42d66b4ec4f495684" ns2:_="">
     <xsd:import namespace="4ce3de0b-3eea-4cb9-8254-1efe69defd32"/>
@@ -6432,22 +6455,24 @@
 </ct:contentTypeSchema>
 </file>
 
-<file path=customXml/item2.xml><?xml version="1.0" encoding="utf-8"?>
-<?mso-contentType ?>
-<FormTemplates xmlns="http://schemas.microsoft.com/sharepoint/v3/contenttype/forms">
-  <Display>DocumentLibraryForm</Display>
-  <Edit>DocumentLibraryForm</Edit>
-  <New>DocumentLibraryForm</New>
-</FormTemplates>
+<file path=customXml/itemProps1.xml><?xml version="1.0" encoding="utf-8"?>
+<ds:datastoreItem xmlns:ds="http://schemas.openxmlformats.org/officeDocument/2006/customXml" ds:itemID="{2149E239-D122-40A9-AB11-D677033190C0}">
+  <ds:schemaRefs>
+    <ds:schemaRef ds:uri="http://schemas.microsoft.com/office/2006/metadata/properties"/>
+    <ds:schemaRef ds:uri="http://schemas.microsoft.com/office/infopath/2007/PartnerControls"/>
+  </ds:schemaRefs>
+</ds:datastoreItem>
 </file>
 
-<file path=customXml/item3.xml><?xml version="1.0" encoding="utf-8"?>
-<p:properties xmlns:p="http://schemas.microsoft.com/office/2006/metadata/properties" xmlns:xsi="http://www.w3.org/2001/XMLSchema-instance" xmlns:pc="http://schemas.microsoft.com/office/infopath/2007/PartnerControls">
-  <documentManagement/>
-</p:properties>
+<file path=customXml/itemProps2.xml><?xml version="1.0" encoding="utf-8"?>
+<ds:datastoreItem xmlns:ds="http://schemas.openxmlformats.org/officeDocument/2006/customXml" ds:itemID="{B778572B-7D4E-4A33-82E0-6D91E9A8F67C}">
+  <ds:schemaRefs>
+    <ds:schemaRef ds:uri="http://schemas.microsoft.com/sharepoint/v3/contenttype/forms"/>
+  </ds:schemaRefs>
+</ds:datastoreItem>
 </file>
 
-<file path=customXml/itemProps1.xml><?xml version="1.0" encoding="utf-8"?>
+<file path=customXml/itemProps3.xml><?xml version="1.0" encoding="utf-8"?>
 <ds:datastoreItem xmlns:ds="http://schemas.openxmlformats.org/officeDocument/2006/customXml" ds:itemID="{33661331-00C7-43C5-9A5A-50F586F60881}">
   <ds:schemaRefs>
     <ds:schemaRef ds:uri="http://schemas.microsoft.com/office/2006/metadata/contentType"/>
@@ -6465,23 +6490,6 @@
 </ds:datastoreItem>
 </file>
 
-<file path=customXml/itemProps2.xml><?xml version="1.0" encoding="utf-8"?>
-<ds:datastoreItem xmlns:ds="http://schemas.openxmlformats.org/officeDocument/2006/customXml" ds:itemID="{B778572B-7D4E-4A33-82E0-6D91E9A8F67C}">
-  <ds:schemaRefs>
-    <ds:schemaRef ds:uri="http://schemas.microsoft.com/sharepoint/v3/contenttype/forms"/>
-  </ds:schemaRefs>
-</ds:datastoreItem>
-</file>
-
-<file path=customXml/itemProps3.xml><?xml version="1.0" encoding="utf-8"?>
-<ds:datastoreItem xmlns:ds="http://schemas.openxmlformats.org/officeDocument/2006/customXml" ds:itemID="{2149E239-D122-40A9-AB11-D677033190C0}">
-  <ds:schemaRefs>
-    <ds:schemaRef ds:uri="http://schemas.microsoft.com/office/2006/metadata/properties"/>
-    <ds:schemaRef ds:uri="http://schemas.microsoft.com/office/infopath/2007/PartnerControls"/>
-  </ds:schemaRefs>
-</ds:datastoreItem>
-</file>
-
 <file path=docMetadata/LabelInfo.xml><?xml version="1.0" encoding="utf-8"?>
 <clbl:labelList xmlns:clbl="http://schemas.microsoft.com/office/2020/mipLabelMetadata">
   <clbl:label id="{d6fa6db5-9f3a-4c93-9e38-61059ee07e95}" enabled="1" method="Standard" siteId="{4e8d09f7-cc79-4ccb-9149-a4238dd17422}" removed="0"/>

--- a/ITNPBD6_Assignment_2710017_Final.pptx
+++ b/ITNPBD6_Assignment_2710017_Final.pptx
@@ -261,7 +261,7 @@
           <a:p>
             <a:fld id="{47641A74-98BD-4B3C-827E-E8E43FD96C93}" type="datetimeFigureOut">
               <a:rPr lang="en-GB" smtClean="0"/>
-              <a:t>29/03/2025</a:t>
+              <a:t>02/04/2025</a:t>
             </a:fld>
             <a:endParaRPr lang="en-GB"/>
           </a:p>
@@ -461,7 +461,7 @@
           <a:p>
             <a:fld id="{47641A74-98BD-4B3C-827E-E8E43FD96C93}" type="datetimeFigureOut">
               <a:rPr lang="en-GB" smtClean="0"/>
-              <a:t>29/03/2025</a:t>
+              <a:t>02/04/2025</a:t>
             </a:fld>
             <a:endParaRPr lang="en-GB"/>
           </a:p>
@@ -671,7 +671,7 @@
           <a:p>
             <a:fld id="{47641A74-98BD-4B3C-827E-E8E43FD96C93}" type="datetimeFigureOut">
               <a:rPr lang="en-GB" smtClean="0"/>
-              <a:t>29/03/2025</a:t>
+              <a:t>02/04/2025</a:t>
             </a:fld>
             <a:endParaRPr lang="en-GB"/>
           </a:p>
@@ -871,7 +871,7 @@
           <a:p>
             <a:fld id="{47641A74-98BD-4B3C-827E-E8E43FD96C93}" type="datetimeFigureOut">
               <a:rPr lang="en-GB" smtClean="0"/>
-              <a:t>29/03/2025</a:t>
+              <a:t>02/04/2025</a:t>
             </a:fld>
             <a:endParaRPr lang="en-GB"/>
           </a:p>
@@ -1147,7 +1147,7 @@
           <a:p>
             <a:fld id="{47641A74-98BD-4B3C-827E-E8E43FD96C93}" type="datetimeFigureOut">
               <a:rPr lang="en-GB" smtClean="0"/>
-              <a:t>29/03/2025</a:t>
+              <a:t>02/04/2025</a:t>
             </a:fld>
             <a:endParaRPr lang="en-GB"/>
           </a:p>
@@ -1415,7 +1415,7 @@
           <a:p>
             <a:fld id="{47641A74-98BD-4B3C-827E-E8E43FD96C93}" type="datetimeFigureOut">
               <a:rPr lang="en-GB" smtClean="0"/>
-              <a:t>29/03/2025</a:t>
+              <a:t>02/04/2025</a:t>
             </a:fld>
             <a:endParaRPr lang="en-GB"/>
           </a:p>
@@ -1830,7 +1830,7 @@
           <a:p>
             <a:fld id="{47641A74-98BD-4B3C-827E-E8E43FD96C93}" type="datetimeFigureOut">
               <a:rPr lang="en-GB" smtClean="0"/>
-              <a:t>29/03/2025</a:t>
+              <a:t>02/04/2025</a:t>
             </a:fld>
             <a:endParaRPr lang="en-GB"/>
           </a:p>
@@ -1972,7 +1972,7 @@
           <a:p>
             <a:fld id="{47641A74-98BD-4B3C-827E-E8E43FD96C93}" type="datetimeFigureOut">
               <a:rPr lang="en-GB" smtClean="0"/>
-              <a:t>29/03/2025</a:t>
+              <a:t>02/04/2025</a:t>
             </a:fld>
             <a:endParaRPr lang="en-GB"/>
           </a:p>
@@ -2085,7 +2085,7 @@
           <a:p>
             <a:fld id="{47641A74-98BD-4B3C-827E-E8E43FD96C93}" type="datetimeFigureOut">
               <a:rPr lang="en-GB" smtClean="0"/>
-              <a:t>29/03/2025</a:t>
+              <a:t>02/04/2025</a:t>
             </a:fld>
             <a:endParaRPr lang="en-GB"/>
           </a:p>
@@ -2398,7 +2398,7 @@
           <a:p>
             <a:fld id="{47641A74-98BD-4B3C-827E-E8E43FD96C93}" type="datetimeFigureOut">
               <a:rPr lang="en-GB" smtClean="0"/>
-              <a:t>29/03/2025</a:t>
+              <a:t>02/04/2025</a:t>
             </a:fld>
             <a:endParaRPr lang="en-GB"/>
           </a:p>
@@ -2687,7 +2687,7 @@
           <a:p>
             <a:fld id="{47641A74-98BD-4B3C-827E-E8E43FD96C93}" type="datetimeFigureOut">
               <a:rPr lang="en-GB" smtClean="0"/>
-              <a:t>29/03/2025</a:t>
+              <a:t>02/04/2025</a:t>
             </a:fld>
             <a:endParaRPr lang="en-GB"/>
           </a:p>
@@ -2930,7 +2930,7 @@
           <a:p>
             <a:fld id="{47641A74-98BD-4B3C-827E-E8E43FD96C93}" type="datetimeFigureOut">
               <a:rPr lang="en-GB" smtClean="0"/>
-              <a:t>29/03/2025</a:t>
+              <a:t>02/04/2025</a:t>
             </a:fld>
             <a:endParaRPr lang="en-GB"/>
           </a:p>
@@ -3944,7 +3944,7 @@
             </a:pPr>
             <a:r>
               <a:rPr lang="en-GB" sz="1000" dirty="0"/>
-              <a:t>NB: dropped after iteratively modelling and identifying limited contribution</a:t>
+              <a:t>Columns dropped only after iteratively modelling and identifying their contribution</a:t>
             </a:r>
           </a:p>
           <a:p>
@@ -4050,7 +4050,7 @@
             </a:r>
             <a:r>
               <a:rPr lang="en-GB" sz="1000" dirty="0"/>
-              <a:t> (All occurrences of ‘cell’ -&gt; ‘cellular’)</a:t>
+              <a:t> (2 occurrences of ‘cell’ -&gt; ‘cellular’)</a:t>
             </a:r>
           </a:p>
           <a:p>
@@ -4224,7 +4224,7 @@
             </a:pPr>
             <a:r>
               <a:rPr lang="en-US" sz="1000" dirty="0"/>
-              <a:t>A pipeline was created for each model type, with a grid of several types of hyper parameters, each with several values to be evaluated. </a:t>
+              <a:t>Pipelines created for each model type with a grid of several types of hyper parameters, each with several values</a:t>
             </a:r>
           </a:p>
           <a:p>
@@ -4235,7 +4235,44 @@
             </a:pPr>
             <a:r>
               <a:rPr lang="en-US" sz="1000" dirty="0"/>
-              <a:t>The finally selected hyperparameters and their values were those identified with the most beneficial impact after multiple iterations of training and evaluation</a:t>
+              <a:t>A scoring metric of </a:t>
+            </a:r>
+            <a:r>
+              <a:rPr lang="en-US" sz="900" dirty="0">
+                <a:latin typeface="Courier New" panose="02070309020205020404" pitchFamily="49" charset="0"/>
+                <a:cs typeface="Courier New" panose="02070309020205020404" pitchFamily="49" charset="0"/>
+              </a:rPr>
+              <a:t>Precision</a:t>
+            </a:r>
+            <a:r>
+              <a:rPr lang="en-US" sz="1000" dirty="0"/>
+              <a:t> seemed to best fit with the business objectives, but </a:t>
+            </a:r>
+            <a:r>
+              <a:rPr lang="en-US" sz="900" dirty="0">
+                <a:latin typeface="Courier New" panose="02070309020205020404" pitchFamily="49" charset="0"/>
+                <a:cs typeface="Courier New" panose="02070309020205020404" pitchFamily="49" charset="0"/>
+              </a:rPr>
+              <a:t>F1-Score</a:t>
+            </a:r>
+            <a:r>
+              <a:rPr lang="en-US" sz="1000" dirty="0"/>
+              <a:t> and </a:t>
+            </a:r>
+            <a:r>
+              <a:rPr lang="en-US" sz="900" dirty="0">
+                <a:latin typeface="Courier New" panose="02070309020205020404" pitchFamily="49" charset="0"/>
+                <a:cs typeface="Courier New" panose="02070309020205020404" pitchFamily="49" charset="0"/>
+              </a:rPr>
+              <a:t>ROC-AUC</a:t>
+            </a:r>
+            <a:r>
+              <a:rPr lang="en-US" sz="1000" i="1" dirty="0"/>
+              <a:t> </a:t>
+            </a:r>
+            <a:r>
+              <a:rPr lang="en-US" sz="1000" dirty="0"/>
+              <a:t>were also used for comparisons</a:t>
             </a:r>
           </a:p>
           <a:p>
@@ -4246,31 +4283,43 @@
             </a:pPr>
             <a:r>
               <a:rPr lang="en-US" sz="1000" dirty="0"/>
-              <a:t>A scoring metric of </a:t>
-            </a:r>
-            <a:r>
-              <a:rPr lang="en-US" sz="1000" i="1" dirty="0"/>
-              <a:t>Precision</a:t>
+              <a:t>Multiple model training &amp; evaluation iterations were then completed. Each using cross-fold validation, </a:t>
+            </a:r>
+            <a:r>
+              <a:rPr lang="en-US" sz="900" dirty="0" err="1">
+                <a:latin typeface="Courier New" panose="02070309020205020404" pitchFamily="49" charset="0"/>
+                <a:cs typeface="Courier New" panose="02070309020205020404" pitchFamily="49" charset="0"/>
+              </a:rPr>
+              <a:t>GridSearchCV</a:t>
             </a:r>
             <a:r>
               <a:rPr lang="en-US" sz="1000" dirty="0"/>
-              <a:t> seemed to best fit with the business objectives, but </a:t>
-            </a:r>
-            <a:r>
-              <a:rPr lang="en-US" sz="1000" i="1" dirty="0"/>
-              <a:t>F1-Score</a:t>
-            </a:r>
+              <a:t>, CV=5:</a:t>
+            </a:r>
+          </a:p>
+          <a:p>
+            <a:pPr marL="634950" lvl="1" indent="-177750">
+              <a:spcBef>
+                <a:spcPts val="200"/>
+              </a:spcBef>
+              <a:spcAft>
+                <a:spcPts val="400"/>
+              </a:spcAft>
+              <a:buFont typeface="Arial" panose="020B0604020202020204" pitchFamily="34" charset="0"/>
+              <a:buChar char="•"/>
+              <a:defRPr/>
+            </a:pPr>
             <a:r>
               <a:rPr lang="en-US" sz="1000" dirty="0"/>
-              <a:t> and </a:t>
-            </a:r>
-            <a:r>
-              <a:rPr lang="en-US" sz="1000" i="1" dirty="0"/>
-              <a:t>ROC-AUC </a:t>
+              <a:t> </a:t>
+            </a:r>
+            <a:r>
+              <a:rPr lang="en-US" sz="1000" dirty="0" err="1"/>
+              <a:t>i</a:t>
             </a:r>
             <a:r>
               <a:rPr lang="en-US" sz="1000" dirty="0"/>
-              <a:t>were also used during iterations</a:t>
+              <a:t>) hyper parameter types &amp; values changed; 2) fitted against train data 3) cross-validation completed; 3) inspected top 10 ranked by the scoring metric</a:t>
             </a:r>
           </a:p>
           <a:p>
@@ -4281,91 +4330,23 @@
             </a:pPr>
             <a:r>
               <a:rPr lang="en-US" sz="1000" dirty="0"/>
-              <a:t>For each model and iteration of cross-fold validation (</a:t>
-            </a:r>
-            <a:r>
-              <a:rPr lang="en-US" sz="1000" i="1" dirty="0" err="1"/>
-              <a:t>GridSearchCV</a:t>
+              <a:t>The best combinations of hyperparameter types and their values were identified, </a:t>
+            </a:r>
+            <a:r>
+              <a:rPr lang="en-US" sz="900" dirty="0" err="1">
+                <a:latin typeface="Courier New" panose="02070309020205020404" pitchFamily="49" charset="0"/>
+                <a:cs typeface="Courier New" panose="02070309020205020404" pitchFamily="49" charset="0"/>
+              </a:rPr>
+              <a:t>best_estimator_</a:t>
+            </a:r>
+            <a:r>
+              <a:rPr lang="en-US" sz="1000" dirty="0" err="1"/>
+              <a:t>saved</a:t>
             </a:r>
             <a:r>
               <a:rPr lang="en-US" sz="1000" dirty="0"/>
-              <a:t>, CV=5):</a:t>
-            </a:r>
-          </a:p>
-          <a:p>
-            <a:pPr marL="634950" lvl="1" indent="-177750">
-              <a:buFont typeface="Arial" panose="020B0604020202020204" pitchFamily="34" charset="0"/>
-              <a:buChar char="•"/>
-              <a:defRPr/>
-            </a:pPr>
-            <a:r>
-              <a:rPr lang="en-US" sz="1000" dirty="0"/>
-              <a:t> </a:t>
-            </a:r>
-            <a:r>
-              <a:rPr lang="en-US" sz="1000" dirty="0" err="1"/>
-              <a:t>i</a:t>
-            </a:r>
-            <a:r>
-              <a:rPr lang="en-US" sz="1000" dirty="0"/>
-              <a:t>) hyper parameters changed; 2) fitted against train data 3) cross-validation completed; 3) inspected top 10 ranked by the scoring metric</a:t>
-            </a:r>
-          </a:p>
-          <a:p>
-            <a:pPr marL="177750" indent="-177750">
-              <a:buFont typeface="Arial" panose="020B0604020202020204" pitchFamily="34" charset="0"/>
-              <a:buChar char="•"/>
-              <a:defRPr/>
-            </a:pPr>
-            <a:r>
-              <a:rPr lang="en-US" sz="1000" dirty="0"/>
-              <a:t>Once the best combinations for each model were identified, the </a:t>
-            </a:r>
-            <a:r>
-              <a:rPr lang="en-US" sz="1000" i="1" dirty="0" err="1"/>
-              <a:t>best_estimator</a:t>
-            </a:r>
-            <a:r>
-              <a:rPr lang="en-US" sz="1000" i="1" dirty="0"/>
-              <a:t>_ </a:t>
-            </a:r>
-            <a:r>
-              <a:rPr lang="en-US" sz="1000" dirty="0"/>
-              <a:t>was saved and used to evaluate and compare the 3 models</a:t>
-            </a:r>
-            <a:endParaRPr kumimoji="0" lang="en-US" sz="1200" b="0" i="0" u="none" strike="noStrike" kern="1200" cap="none" spc="0" normalizeH="0" baseline="0" noProof="0" dirty="0">
-              <a:ln>
-                <a:noFill/>
-              </a:ln>
-              <a:solidFill>
-                <a:prstClr val="black"/>
-              </a:solidFill>
-              <a:effectLst/>
-              <a:uLnTx/>
-              <a:uFillTx/>
-              <a:latin typeface="Calibri" panose="020F0502020204030204"/>
-              <a:ea typeface="+mn-ea"/>
-              <a:cs typeface="+mn-cs"/>
-            </a:endParaRPr>
-          </a:p>
-          <a:p>
-            <a:pPr marL="0" marR="0" lvl="0" indent="0" algn="l" defTabSz="1706910" rtl="0" eaLnBrk="1" fontAlgn="auto" latinLnBrk="0" hangingPunct="1">
-              <a:lnSpc>
-                <a:spcPct val="100000"/>
-              </a:lnSpc>
-              <a:spcBef>
-                <a:spcPts val="0"/>
-              </a:spcBef>
-              <a:spcAft>
-                <a:spcPts val="0"/>
-              </a:spcAft>
-              <a:buClrTx/>
-              <a:buSzTx/>
-              <a:buFontTx/>
-              <a:buNone/>
-              <a:tabLst/>
-              <a:defRPr/>
-            </a:pPr>
+              <a:t> and used to evaluate across the 3 models</a:t>
+            </a:r>
             <a:endParaRPr lang="en-US" sz="1200" dirty="0">
               <a:solidFill>
                 <a:prstClr val="black"/>
@@ -4539,13 +4520,13 @@
           <p:nvPr>
             <p:extLst>
               <p:ext uri="{D42A27DB-BD31-4B8C-83A1-F6EECF244321}">
-                <p14:modId xmlns:p14="http://schemas.microsoft.com/office/powerpoint/2010/main" val="3778306738"/>
+                <p14:modId xmlns:p14="http://schemas.microsoft.com/office/powerpoint/2010/main" val="2097369978"/>
               </p:ext>
             </p:extLst>
           </p:nvPr>
         </p:nvGraphicFramePr>
         <p:xfrm>
-          <a:off x="658762" y="7304072"/>
+          <a:off x="658762" y="7263252"/>
           <a:ext cx="8552178" cy="1184400"/>
         </p:xfrm>
         <a:graphic>
@@ -5355,7 +5336,7 @@
             </a:pPr>
             <a:r>
               <a:rPr lang="en-GB" sz="1000" dirty="0"/>
-              <a:t>Potential data issues, </a:t>
+              <a:t>Identify data issues, </a:t>
             </a:r>
             <a:r>
               <a:rPr lang="en-GB" sz="1000" dirty="0" err="1"/>
@@ -5385,7 +5366,7 @@
             </a:pPr>
             <a:r>
               <a:rPr lang="en-GB" sz="1000" dirty="0"/>
-              <a:t>This was refined over several iterations of Prep and Modelling, and see comments on variables</a:t>
+              <a:t>Refined over several iterations of Prep and Modelling (see variables)</a:t>
             </a:r>
           </a:p>
           <a:p>
@@ -5395,15 +5376,18 @@
             </a:pPr>
             <a:r>
               <a:rPr lang="en-GB" sz="1000" dirty="0"/>
-              <a:t>Data split 80:20. </a:t>
-            </a:r>
-            <a:r>
-              <a:rPr lang="en-GB" sz="1000" i="1" dirty="0" err="1"/>
+              <a:t>Data split 80:20 using </a:t>
+            </a:r>
+            <a:r>
+              <a:rPr lang="en-GB" sz="900" dirty="0" err="1">
+                <a:latin typeface="Courier New" panose="02070309020205020404" pitchFamily="49" charset="0"/>
+                <a:cs typeface="Courier New" panose="02070309020205020404" pitchFamily="49" charset="0"/>
+              </a:rPr>
               <a:t>train_test_split</a:t>
             </a:r>
             <a:r>
-              <a:rPr lang="en-GB" sz="1000" i="1" dirty="0"/>
-              <a:t>, </a:t>
+              <a:rPr lang="en-GB" sz="900" i="1" dirty="0"/>
+              <a:t> </a:t>
             </a:r>
             <a:r>
               <a:rPr lang="en-GB" sz="1000" dirty="0"/>
@@ -5431,7 +5415,7 @@
             </a:r>
             <a:r>
               <a:rPr lang="en-GB" sz="1000" dirty="0"/>
-              <a:t> and cross-fold validation will be used on the train data</a:t>
+              <a:t> (cross-fold validation to  be used on train)</a:t>
             </a:r>
           </a:p>
           <a:p>
@@ -5444,7 +5428,10 @@
               <a:t>Repeatable data transformation using </a:t>
             </a:r>
             <a:r>
-              <a:rPr lang="en-GB" sz="1000" i="1" dirty="0"/>
+              <a:rPr lang="en-GB" sz="900" dirty="0">
+                <a:latin typeface="Courier New" panose="02070309020205020404" pitchFamily="49" charset="0"/>
+                <a:cs typeface="Courier New" panose="02070309020205020404" pitchFamily="49" charset="0"/>
+              </a:rPr>
               <a:t>Pipeline</a:t>
             </a:r>
             <a:r>
@@ -5452,16 +5439,22 @@
               <a:t> &amp; </a:t>
             </a:r>
             <a:r>
-              <a:rPr lang="en-GB" sz="1000" i="1" dirty="0" err="1"/>
+              <a:rPr lang="en-GB" sz="900" dirty="0" err="1">
+                <a:latin typeface="Courier New" panose="02070309020205020404" pitchFamily="49" charset="0"/>
+                <a:cs typeface="Courier New" panose="02070309020205020404" pitchFamily="49" charset="0"/>
+              </a:rPr>
               <a:t>ColumnTransformer</a:t>
             </a:r>
             <a:r>
-              <a:rPr lang="en-GB" sz="1000" i="1" dirty="0"/>
-              <a:t> </a:t>
+              <a:rPr lang="en-GB" sz="1000" i="1" dirty="0">
+                <a:latin typeface="Courier New" panose="02070309020205020404" pitchFamily="49" charset="0"/>
+                <a:cs typeface="Courier New" panose="02070309020205020404" pitchFamily="49" charset="0"/>
+              </a:rPr>
+              <a:t>, </a:t>
             </a:r>
             <a:r>
               <a:rPr lang="en-GB" sz="1000" dirty="0"/>
-              <a:t>Fitted to train data and applied individually to train and test</a:t>
+              <a:t>fitted to train data then applied to separate train and test</a:t>
             </a:r>
           </a:p>
           <a:p>
@@ -5474,10 +5467,16 @@
               <a:t>Categorical variables encoded using </a:t>
             </a:r>
             <a:r>
-              <a:rPr lang="en-GB" sz="1000" i="1" dirty="0" err="1"/>
+              <a:rPr lang="en-GB" sz="900" dirty="0" err="1">
+                <a:latin typeface="Courier New" panose="02070309020205020404" pitchFamily="49" charset="0"/>
+                <a:cs typeface="Courier New" panose="02070309020205020404" pitchFamily="49" charset="0"/>
+              </a:rPr>
               <a:t>OneHotEncoder</a:t>
             </a:r>
-            <a:endParaRPr lang="en-GB" sz="1000" i="1" dirty="0"/>
+            <a:endParaRPr lang="en-GB" sz="900" dirty="0">
+              <a:latin typeface="Courier New" panose="02070309020205020404" pitchFamily="49" charset="0"/>
+              <a:cs typeface="Courier New" panose="02070309020205020404" pitchFamily="49" charset="0"/>
+            </a:endParaRPr>
           </a:p>
           <a:p>
             <a:pPr marL="177750" indent="-177750">
@@ -5489,13 +5488,19 @@
             </a:pPr>
             <a:r>
               <a:rPr lang="en-GB" sz="1000" dirty="0"/>
-              <a:t>Numerical variables scaled using: </a:t>
-            </a:r>
-            <a:r>
-              <a:rPr lang="en-GB" sz="1000" i="1" dirty="0" err="1"/>
+              <a:t>Numerical variables scaled using </a:t>
+            </a:r>
+            <a:r>
+              <a:rPr lang="en-GB" sz="900" dirty="0" err="1">
+                <a:latin typeface="Courier New" panose="02070309020205020404" pitchFamily="49" charset="0"/>
+                <a:cs typeface="Courier New" panose="02070309020205020404" pitchFamily="49" charset="0"/>
+              </a:rPr>
               <a:t>RobustScaler</a:t>
             </a:r>
-            <a:endParaRPr lang="en-GB" sz="1000" i="1" dirty="0"/>
+            <a:endParaRPr lang="en-GB" sz="900" dirty="0">
+              <a:latin typeface="Courier New" panose="02070309020205020404" pitchFamily="49" charset="0"/>
+              <a:cs typeface="Courier New" panose="02070309020205020404" pitchFamily="49" charset="0"/>
+            </a:endParaRPr>
           </a:p>
           <a:p>
             <a:r>
@@ -5590,7 +5595,7 @@
             </a:r>
           </a:p>
           <a:p>
-            <a:pPr marL="285750" indent="-285750">
+            <a:pPr marL="177750" indent="-177750">
               <a:buFont typeface="Arial" panose="020B0604020202020204" pitchFamily="34" charset="0"/>
               <a:buChar char="•"/>
             </a:pPr>
@@ -5600,21 +5605,13 @@
             </a:r>
           </a:p>
           <a:p>
-            <a:pPr marL="285750" indent="-285750">
+            <a:pPr marL="177750" indent="-177750">
               <a:buFont typeface="Arial" panose="020B0604020202020204" pitchFamily="34" charset="0"/>
               <a:buChar char="•"/>
             </a:pPr>
             <a:r>
               <a:rPr lang="en-GB" sz="1000" dirty="0"/>
-              <a:t>This model was saved using </a:t>
-            </a:r>
-            <a:r>
-              <a:rPr lang="en-GB" sz="1000" i="1" dirty="0"/>
-              <a:t>Pickle</a:t>
-            </a:r>
-            <a:r>
-              <a:rPr lang="en-GB" sz="1000" dirty="0"/>
-              <a:t> for use on future data</a:t>
+              <a:t>This model was saved using Pickle for use on new data</a:t>
             </a:r>
           </a:p>
         </p:txBody>
@@ -5694,7 +5691,7 @@
             </a:r>
             <a:r>
               <a:rPr lang="en-GB" sz="1000" dirty="0"/>
-              <a:t> (all numerical) plus </a:t>
+              <a:t> (all numeric) plus </a:t>
             </a:r>
             <a:r>
               <a:rPr lang="en-GB" sz="1000" dirty="0" err="1"/>
@@ -5737,7 +5734,7 @@
             </a:r>
             <a:r>
               <a:rPr lang="en-GB" sz="1000" dirty="0"/>
-              <a:t>*5). However, this surprisingly did not improve model performance</a:t>
+              <a:t>*5). But, this surprisingly did not improve model performance so not utilised</a:t>
             </a:r>
           </a:p>
           <a:p>
@@ -5751,7 +5748,10 @@
               <a:t>However, the use of </a:t>
             </a:r>
             <a:r>
-              <a:rPr lang="en-GB" sz="1000" i="1" dirty="0" err="1"/>
+              <a:rPr lang="en-GB" sz="900" dirty="0" err="1">
+                <a:latin typeface="Courier New" panose="02070309020205020404" pitchFamily="49" charset="0"/>
+                <a:cs typeface="Courier New" panose="02070309020205020404" pitchFamily="49" charset="0"/>
+              </a:rPr>
               <a:t>RobustScaler</a:t>
             </a:r>
             <a:r>
@@ -5759,12 +5759,23 @@
               <a:t> and a balanced </a:t>
             </a:r>
             <a:r>
-              <a:rPr lang="en-GB" sz="1000" i="1" dirty="0" err="1"/>
+              <a:rPr lang="en-GB" sz="900" dirty="0" err="1">
+                <a:latin typeface="Courier New" panose="02070309020205020404" pitchFamily="49" charset="0"/>
+                <a:cs typeface="Courier New" panose="02070309020205020404" pitchFamily="49" charset="0"/>
+              </a:rPr>
               <a:t>ClassWeight</a:t>
             </a:r>
             <a:r>
               <a:rPr lang="en-GB" sz="1000" dirty="0"/>
-              <a:t> had a better impact and reduced the number of data points lost</a:t>
+              <a:t> had a better impact whilst also avoiding </a:t>
+            </a:r>
+            <a:r>
+              <a:rPr lang="en-GB" sz="1000"/>
+              <a:t>the loss </a:t>
+            </a:r>
+            <a:r>
+              <a:rPr lang="en-GB" sz="1000" dirty="0"/>
+              <a:t>of data points</a:t>
             </a:r>
             <a:endParaRPr lang="en-GB" sz="1200" dirty="0">
               <a:solidFill>
@@ -5959,7 +5970,7 @@
               <a:rPr lang="en-GB" sz="800" dirty="0">
                 <a:effectLst/>
               </a:rPr>
-              <a:t>[F. Pedregosa </a:t>
+              <a:t>F. Pedregosa </a:t>
             </a:r>
             <a:r>
               <a:rPr lang="en-GB" sz="800" i="1" dirty="0">
@@ -6303,15 +6314,6 @@
 </file>
 
 <file path=customXml/item2.xml><?xml version="1.0" encoding="utf-8"?>
-<?mso-contentType ?>
-<FormTemplates xmlns="http://schemas.microsoft.com/sharepoint/v3/contenttype/forms">
-  <Display>DocumentLibraryForm</Display>
-  <Edit>DocumentLibraryForm</Edit>
-  <New>DocumentLibraryForm</New>
-</FormTemplates>
-</file>
-
-<file path=customXml/item3.xml><?xml version="1.0" encoding="utf-8"?>
 <ct:contentTypeSchema xmlns:ct="http://schemas.microsoft.com/office/2006/metadata/contentType" xmlns:ma="http://schemas.microsoft.com/office/2006/metadata/properties/metaAttributes" ct:_="" ma:_="" ma:contentTypeName="Document" ma:contentTypeID="0x0101000F1DA950B468274CB53651377B661D5E" ma:contentTypeVersion="4" ma:contentTypeDescription="Create a new document." ma:contentTypeScope="" ma:versionID="27a16cd52dc681f2d631c60625793089">
   <xsd:schema xmlns:xsd="http://www.w3.org/2001/XMLSchema" xmlns:xs="http://www.w3.org/2001/XMLSchema" xmlns:p="http://schemas.microsoft.com/office/2006/metadata/properties" xmlns:ns2="4ce3de0b-3eea-4cb9-8254-1efe69defd32" targetNamespace="http://schemas.microsoft.com/office/2006/metadata/properties" ma:root="true" ma:fieldsID="aa5d8f5ea0382bb42d66b4ec4f495684" ns2:_="">
     <xsd:import namespace="4ce3de0b-3eea-4cb9-8254-1efe69defd32"/>
@@ -6455,6 +6457,15 @@
 </ct:contentTypeSchema>
 </file>
 
+<file path=customXml/item3.xml><?xml version="1.0" encoding="utf-8"?>
+<?mso-contentType ?>
+<FormTemplates xmlns="http://schemas.microsoft.com/sharepoint/v3/contenttype/forms">
+  <Display>DocumentLibraryForm</Display>
+  <Edit>DocumentLibraryForm</Edit>
+  <New>DocumentLibraryForm</New>
+</FormTemplates>
+</file>
+
 <file path=customXml/itemProps1.xml><?xml version="1.0" encoding="utf-8"?>
 <ds:datastoreItem xmlns:ds="http://schemas.openxmlformats.org/officeDocument/2006/customXml" ds:itemID="{2149E239-D122-40A9-AB11-D677033190C0}">
   <ds:schemaRefs>
@@ -6465,14 +6476,6 @@
 </file>
 
 <file path=customXml/itemProps2.xml><?xml version="1.0" encoding="utf-8"?>
-<ds:datastoreItem xmlns:ds="http://schemas.openxmlformats.org/officeDocument/2006/customXml" ds:itemID="{B778572B-7D4E-4A33-82E0-6D91E9A8F67C}">
-  <ds:schemaRefs>
-    <ds:schemaRef ds:uri="http://schemas.microsoft.com/sharepoint/v3/contenttype/forms"/>
-  </ds:schemaRefs>
-</ds:datastoreItem>
-</file>
-
-<file path=customXml/itemProps3.xml><?xml version="1.0" encoding="utf-8"?>
 <ds:datastoreItem xmlns:ds="http://schemas.openxmlformats.org/officeDocument/2006/customXml" ds:itemID="{33661331-00C7-43C5-9A5A-50F586F60881}">
   <ds:schemaRefs>
     <ds:schemaRef ds:uri="http://schemas.microsoft.com/office/2006/metadata/contentType"/>
@@ -6490,6 +6493,14 @@
 </ds:datastoreItem>
 </file>
 
+<file path=customXml/itemProps3.xml><?xml version="1.0" encoding="utf-8"?>
+<ds:datastoreItem xmlns:ds="http://schemas.openxmlformats.org/officeDocument/2006/customXml" ds:itemID="{B778572B-7D4E-4A33-82E0-6D91E9A8F67C}">
+  <ds:schemaRefs>
+    <ds:schemaRef ds:uri="http://schemas.microsoft.com/sharepoint/v3/contenttype/forms"/>
+  </ds:schemaRefs>
+</ds:datastoreItem>
+</file>
+
 <file path=docMetadata/LabelInfo.xml><?xml version="1.0" encoding="utf-8"?>
 <clbl:labelList xmlns:clbl="http://schemas.microsoft.com/office/2020/mipLabelMetadata">
   <clbl:label id="{d6fa6db5-9f3a-4c93-9e38-61059ee07e95}" enabled="1" method="Standard" siteId="{4e8d09f7-cc79-4ccb-9149-a4238dd17422}" removed="0"/>
